--- a/PP presentation 2 - December 15.pptx
+++ b/PP presentation 2 - December 15.pptx
@@ -23825,7 +23825,15 @@
             </a:r>
             <a:r>
               <a:rPr lang="en-US" dirty="0" smtClean="0"/>
-              <a:t> (for bundling modules of code together)</a:t>
+              <a:t> (front-</a:t>
+            </a:r>
+            <a:r>
+              <a:rPr lang="en-US" smtClean="0"/>
+              <a:t>end, for </a:t>
+            </a:r>
+            <a:r>
+              <a:rPr lang="en-US" dirty="0" smtClean="0"/>
+              <a:t>bundling modules of code together)</a:t>
             </a:r>
           </a:p>
           <a:p>
@@ -23852,13 +23860,8 @@
             </a:r>
             <a:r>
               <a:rPr lang="en-US" dirty="0" smtClean="0"/>
-              <a:t> for back-</a:t>
+              <a:t> for back-end storage</a:t>
             </a:r>
-            <a:r>
-              <a:rPr lang="en-US" smtClean="0"/>
-              <a:t>end storage</a:t>
-            </a:r>
-            <a:endParaRPr lang="en-US" dirty="0" smtClean="0"/>
           </a:p>
           <a:p>
             <a:pPr lvl="1"/>
@@ -23890,6 +23893,14 @@
   <p:clrMapOvr>
     <a:masterClrMapping/>
   </p:clrMapOvr>
+  <mc:AlternateContent xmlns:mc="http://schemas.openxmlformats.org/markup-compatibility/2006">
+    <mc:Choice xmlns:p14="http://schemas.microsoft.com/office/powerpoint/2010/main" Requires="p14">
+      <p:transition spd="slow" p14:dur="2000"/>
+    </mc:Choice>
+    <mc:Fallback>
+      <p:transition xmlns:p14="http://schemas.microsoft.com/office/powerpoint/2010/main" spd="slow"/>
+    </mc:Fallback>
+  </mc:AlternateContent>
   <p:timing>
     <p:tnLst>
       <p:par>
@@ -23983,6 +23994,13 @@
   <p:clrMapOvr>
     <a:masterClrMapping/>
   </p:clrMapOvr>
+  <p:timing>
+    <p:tnLst>
+      <p:par>
+        <p:cTn xmlns:p14="http://schemas.microsoft.com/office/powerpoint/2010/main" id="1" dur="indefinite" restart="never" nodeType="tmRoot"/>
+      </p:par>
+    </p:tnLst>
+  </p:timing>
 </p:sld>
 </file>
 
@@ -24154,7 +24172,7 @@
           <a:lstStyle/>
           <a:p>
             <a:r>
-              <a:rPr lang="en-US" dirty="0" smtClean="0"/>
+              <a:rPr lang="en-US" u="sng" dirty="0" smtClean="0"/>
               <a:t>Main features</a:t>
             </a:r>
           </a:p>
@@ -24287,15 +24305,29 @@
             <p:ph sz="quarter" idx="13"/>
           </p:nvPr>
         </p:nvSpPr>
-        <p:spPr/>
+        <p:spPr>
+          <a:xfrm>
+            <a:off x="274320" y="1408544"/>
+            <a:ext cx="8595360" cy="4827663"/>
+          </a:xfrm>
+        </p:spPr>
         <p:txBody>
           <a:bodyPr/>
           <a:lstStyle/>
           <a:p>
             <a:r>
+              <a:rPr lang="en-US" u="sng" dirty="0" smtClean="0"/>
+              <a:t>Non-MVP </a:t>
+            </a:r>
+            <a:r>
+              <a:rPr lang="en-US" u="sng" dirty="0" smtClean="0"/>
+              <a:t>features  </a:t>
+            </a:r>
+            <a:r>
               <a:rPr lang="en-US" dirty="0" smtClean="0"/>
-              <a:t>Non-MVP features</a:t>
+              <a:t>(for later versions / development)</a:t>
             </a:r>
+            <a:endParaRPr lang="en-US" dirty="0" smtClean="0"/>
           </a:p>
           <a:p>
             <a:pPr lvl="1"/>
